--- a/src/slides/fake-example.pptx
+++ b/src/slides/fake-example.pptx
@@ -510,7 +510,8 @@
           <a:p>
             <a:r>
               <a:rPr lang="en-US" dirty="0"/>
-              <a:t/>
+              <a:t>HTML comment recognized as a presenter note per pages.
+You may place multiple comments in a single page.</a:t>
             </a:r>
             <a:endParaRPr lang="en-US" dirty="0"/>
           </a:p>
